--- a/DataScience/CreditScoring/Team10/Report.pptx
+++ b/DataScience/CreditScoring/Team10/Report.pptx
@@ -232,7 +232,7 @@
           <a:p>
             <a:fld id="{B959D8D6-BB0D-C24A-8F94-292B3EF7B830}" type="datetimeFigureOut">
               <a:rPr lang="en-US" smtClean="0"/>
-              <a:t>6/3/2015</a:t>
+              <a:t>6/11/15</a:t>
             </a:fld>
             <a:endParaRPr lang="en-US"/>
           </a:p>
@@ -1759,7 +1759,7 @@
           <a:p>
             <a:fld id="{C764DE79-268F-4C1A-8933-263129D2AF90}" type="datetimeFigureOut">
               <a:rPr lang="en-US" smtClean="0"/>
-              <a:t>6/3/2015</a:t>
+              <a:t>6/11/15</a:t>
             </a:fld>
             <a:endParaRPr lang="en-US"/>
           </a:p>
@@ -1929,7 +1929,7 @@
           <a:p>
             <a:fld id="{C764DE79-268F-4C1A-8933-263129D2AF90}" type="datetimeFigureOut">
               <a:rPr lang="en-US" smtClean="0"/>
-              <a:t>6/3/2015</a:t>
+              <a:t>6/11/15</a:t>
             </a:fld>
             <a:endParaRPr lang="en-US"/>
           </a:p>
@@ -2109,7 +2109,7 @@
           <a:p>
             <a:fld id="{C764DE79-268F-4C1A-8933-263129D2AF90}" type="datetimeFigureOut">
               <a:rPr lang="en-US" smtClean="0"/>
-              <a:t>6/3/2015</a:t>
+              <a:t>6/11/15</a:t>
             </a:fld>
             <a:endParaRPr lang="en-US"/>
           </a:p>
@@ -2289,7 +2289,7 @@
           <a:p>
             <a:fld id="{C764DE79-268F-4C1A-8933-263129D2AF90}" type="datetimeFigureOut">
               <a:rPr lang="en-US" smtClean="0"/>
-              <a:t>6/3/2015</a:t>
+              <a:t>6/11/15</a:t>
             </a:fld>
             <a:endParaRPr lang="en-US"/>
           </a:p>
@@ -2548,7 +2548,7 @@
           <a:p>
             <a:fld id="{C764DE79-268F-4C1A-8933-263129D2AF90}" type="datetimeFigureOut">
               <a:rPr lang="en-US" smtClean="0"/>
-              <a:t>6/3/2015</a:t>
+              <a:t>6/11/15</a:t>
             </a:fld>
             <a:endParaRPr lang="en-US"/>
           </a:p>
@@ -2780,7 +2780,7 @@
           <a:p>
             <a:fld id="{C764DE79-268F-4C1A-8933-263129D2AF90}" type="datetimeFigureOut">
               <a:rPr lang="en-US" smtClean="0"/>
-              <a:t>6/3/2015</a:t>
+              <a:t>6/11/15</a:t>
             </a:fld>
             <a:endParaRPr lang="en-US"/>
           </a:p>
@@ -3147,7 +3147,7 @@
           <a:p>
             <a:fld id="{C764DE79-268F-4C1A-8933-263129D2AF90}" type="datetimeFigureOut">
               <a:rPr lang="en-US" smtClean="0"/>
-              <a:t>6/3/2015</a:t>
+              <a:t>6/11/15</a:t>
             </a:fld>
             <a:endParaRPr lang="en-US"/>
           </a:p>
@@ -3270,7 +3270,7 @@
           <a:p>
             <a:fld id="{C764DE79-268F-4C1A-8933-263129D2AF90}" type="datetimeFigureOut">
               <a:rPr lang="en-US" smtClean="0"/>
-              <a:t>6/3/2015</a:t>
+              <a:t>6/11/15</a:t>
             </a:fld>
             <a:endParaRPr lang="en-US"/>
           </a:p>
@@ -3365,7 +3365,7 @@
           <a:p>
             <a:fld id="{C764DE79-268F-4C1A-8933-263129D2AF90}" type="datetimeFigureOut">
               <a:rPr lang="en-US" smtClean="0"/>
-              <a:t>6/3/2015</a:t>
+              <a:t>6/11/15</a:t>
             </a:fld>
             <a:endParaRPr lang="en-US"/>
           </a:p>
@@ -3642,7 +3642,7 @@
           <a:p>
             <a:fld id="{C764DE79-268F-4C1A-8933-263129D2AF90}" type="datetimeFigureOut">
               <a:rPr lang="en-US" smtClean="0"/>
-              <a:t>6/3/2015</a:t>
+              <a:t>6/11/15</a:t>
             </a:fld>
             <a:endParaRPr lang="en-US"/>
           </a:p>
@@ -3899,7 +3899,7 @@
           <a:p>
             <a:fld id="{C764DE79-268F-4C1A-8933-263129D2AF90}" type="datetimeFigureOut">
               <a:rPr lang="en-US" smtClean="0"/>
-              <a:t>6/3/2015</a:t>
+              <a:t>6/11/15</a:t>
             </a:fld>
             <a:endParaRPr lang="en-US"/>
           </a:p>
@@ -4112,7 +4112,7 @@
           <a:p>
             <a:fld id="{C764DE79-268F-4C1A-8933-263129D2AF90}" type="datetimeFigureOut">
               <a:rPr lang="en-US" smtClean="0"/>
-              <a:t>6/3/2015</a:t>
+              <a:t>6/11/15</a:t>
             </a:fld>
             <a:endParaRPr lang="en-US"/>
           </a:p>
@@ -4935,8 +4935,16 @@
           <a:lstStyle/>
           <a:p>
             <a:r>
-              <a:rPr lang="en-US" dirty="0" smtClean="0"/>
-              <a:t>Polynomial term </a:t>
+              <a:rPr lang="en-US" smtClean="0"/>
+              <a:t>Polynomial </a:t>
+            </a:r>
+            <a:r>
+              <a:rPr lang="en-US" smtClean="0"/>
+              <a:t>degree</a:t>
+            </a:r>
+            <a:r>
+              <a:rPr lang="en-US" smtClean="0"/>
+              <a:t> </a:t>
             </a:r>
             <a:r>
               <a:rPr lang="en-US" dirty="0"/>
